--- a/talks/day_2/reflectometry_D/materials/ReflectometryOverview.pptx
+++ b/talks/day_2/reflectometry_D/materials/ReflectometryOverview.pptx
@@ -8377,155 +8377,14 @@
           </p:nvGrpSpPr>
           <p:grpSpPr>
             <a:xfrm>
-              <a:off x="2413260" y="5128280"/>
-              <a:ext cx="4224239" cy="875103"/>
-              <a:chOff x="1159560" y="5402117"/>
-              <a:chExt cx="4224239" cy="875103"/>
+              <a:off x="2709641" y="5336621"/>
+              <a:ext cx="3927858" cy="453756"/>
+              <a:chOff x="1455941" y="5610458"/>
+              <a:chExt cx="3927858" cy="453756"/>
             </a:xfrm>
           </p:grpSpPr>
-          <mc:AlternateContent xmlns:mc="http://schemas.openxmlformats.org/markup-compatibility/2006" xmlns:a14="http://schemas.microsoft.com/office/drawing/2010/main">
-            <mc:Choice Requires="a14">
-              <p:sp>
-                <p:nvSpPr>
-                  <p:cNvPr id="17" name="Formula 10"/>
-                  <p:cNvSpPr txBox="1"/>
-                  <p:nvPr/>
-                </p:nvSpPr>
-                <p:spPr>
-                  <a:xfrm>
-                    <a:off x="1159560" y="5402117"/>
-                    <a:ext cx="1919239" cy="453756"/>
-                  </a:xfrm>
-                  <a:prstGeom prst="rect">
-                    <a:avLst/>
-                  </a:prstGeom>
-                </p:spPr>
-                <p:txBody>
-                  <a:bodyPr/>
-                  <a:lstStyle/>
-                  <a:p>
-                    <a:pPr/>
-                    <a14:m>
-                      <m:oMathPara xmlns:m="http://schemas.openxmlformats.org/officeDocument/2006/math">
-                        <m:oMathParaPr>
-                          <m:jc m:val="centerGroup"/>
-                        </m:oMathParaPr>
-                        <m:oMath xmlns:m="http://schemas.openxmlformats.org/officeDocument/2006/math">
-                          <m:sSub>
-                            <m:sSubPr>
-                              <m:ctrlPr>
-                                <a:rPr lang="de-DE" b="0" i="1" smtClean="0">
-                                  <a:latin typeface="Cambria Math" panose="02040503050406030204" pitchFamily="18" charset="0"/>
-                                  <a:ea typeface="Cambria Math" panose="02040503050406030204" pitchFamily="18" charset="0"/>
-                                </a:rPr>
-                              </m:ctrlPr>
-                            </m:sSubPr>
-                            <m:e>
-                              <m:r>
-                                <m:rPr>
-                                  <m:sty m:val="p"/>
-                                </m:rPr>
-                                <a:rPr lang="el-GR" b="0" i="1" smtClean="0">
-                                  <a:latin typeface="Cambria Math" panose="02040503050406030204" pitchFamily="18" charset="0"/>
-                                  <a:ea typeface="Cambria Math" panose="02040503050406030204" pitchFamily="18" charset="0"/>
-                                </a:rPr>
-                                <m:t>σ</m:t>
-                              </m:r>
-                            </m:e>
-                            <m:sub>
-                              <m:r>
-                                <a:rPr lang="de-DE" b="0" i="1" smtClean="0">
-                                  <a:latin typeface="Cambria Math" panose="02040503050406030204" pitchFamily="18" charset="0"/>
-                                  <a:ea typeface="Cambria Math" panose="02040503050406030204" pitchFamily="18" charset="0"/>
-                                </a:rPr>
-                                <m:t>𝑎𝑏𝑠</m:t>
-                              </m:r>
-                            </m:sub>
-                          </m:sSub>
-                          <m:r>
-                            <a:rPr lang="de-DE" b="0" i="1" smtClean="0">
-                              <a:latin typeface="Cambria Math" panose="02040503050406030204" pitchFamily="18" charset="0"/>
-                              <a:ea typeface="Cambria Math" panose="02040503050406030204" pitchFamily="18" charset="0"/>
-                            </a:rPr>
-                            <m:t>≫ </m:t>
-                          </m:r>
-                          <m:sSub>
-                            <m:sSubPr>
-                              <m:ctrlPr>
-                                <a:rPr lang="de-DE" b="0" i="1" smtClean="0">
-                                  <a:latin typeface="Cambria Math" panose="02040503050406030204" pitchFamily="18" charset="0"/>
-                                  <a:ea typeface="Cambria Math" panose="02040503050406030204" pitchFamily="18" charset="0"/>
-                                </a:rPr>
-                              </m:ctrlPr>
-                            </m:sSubPr>
-                            <m:e>
-                              <m:r>
-                                <a:rPr lang="de-DE" b="0" i="1" smtClean="0">
-                                  <a:latin typeface="Cambria Math" panose="02040503050406030204" pitchFamily="18" charset="0"/>
-                                  <a:ea typeface="Cambria Math" panose="02040503050406030204" pitchFamily="18" charset="0"/>
-                                </a:rPr>
-                                <m:t>𝜎</m:t>
-                              </m:r>
-                            </m:e>
-                            <m:sub>
-                              <m:r>
-                                <a:rPr lang="de-DE" b="0" i="1" smtClean="0">
-                                  <a:latin typeface="Cambria Math" panose="02040503050406030204" pitchFamily="18" charset="0"/>
-                                  <a:ea typeface="Cambria Math" panose="02040503050406030204" pitchFamily="18" charset="0"/>
-                                </a:rPr>
-                                <m:t>𝑖𝑛𝑐</m:t>
-                              </m:r>
-                            </m:sub>
-                          </m:sSub>
-                        </m:oMath>
-                      </m:oMathPara>
-                    </a14:m>
-                    <a:endParaRPr dirty="0"/>
-                  </a:p>
-                </p:txBody>
-              </p:sp>
-            </mc:Choice>
-            <mc:Fallback xmlns="">
-              <p:sp>
-                <p:nvSpPr>
-                  <p:cNvPr id="17" name="Formula 10"/>
-                  <p:cNvSpPr txBox="1">
-                    <a:spLocks noRot="1" noChangeAspect="1" noMove="1" noResize="1" noEditPoints="1" noAdjustHandles="1" noChangeArrowheads="1" noChangeShapeType="1" noTextEdit="1"/>
-                  </p:cNvSpPr>
-                  <p:nvPr/>
-                </p:nvSpPr>
-                <p:spPr>
-                  <a:xfrm>
-                    <a:off x="1159560" y="5402117"/>
-                    <a:ext cx="1919239" cy="453756"/>
-                  </a:xfrm>
-                  <a:prstGeom prst="rect">
-                    <a:avLst/>
-                  </a:prstGeom>
-                  <a:blipFill>
-                    <a:blip r:embed="rId6"/>
-                    <a:stretch>
-                      <a:fillRect/>
-                    </a:stretch>
-                  </a:blipFill>
-                </p:spPr>
-                <p:txBody>
-                  <a:bodyPr/>
-                  <a:lstStyle/>
-                  <a:p>
-                    <a:r>
-                      <a:rPr lang="en-US">
-                        <a:noFill/>
-                      </a:rPr>
-                      <a:t> </a:t>
-                    </a:r>
-                  </a:p>
-                </p:txBody>
-              </p:sp>
-            </mc:Fallback>
-          </mc:AlternateContent>
-          <mc:AlternateContent xmlns:mc="http://schemas.openxmlformats.org/markup-compatibility/2006" xmlns:a14="http://schemas.microsoft.com/office/drawing/2010/main">
-            <mc:Choice Requires="a14">
+          <mc:AlternateContent xmlns:mc="http://schemas.openxmlformats.org/markup-compatibility/2006">
+            <mc:Choice xmlns:a14="http://schemas.microsoft.com/office/drawing/2010/main" Requires="a14">
               <p:sp>
                 <p:nvSpPr>
                   <p:cNvPr id="18" name="Formula 10"/>
@@ -8534,7 +8393,7 @@
                 </p:nvSpPr>
                 <p:spPr>
                   <a:xfrm>
-                    <a:off x="1159560" y="5823464"/>
+                    <a:off x="1455941" y="5610458"/>
                     <a:ext cx="1919239" cy="453756"/>
                   </a:xfrm>
                   <a:prstGeom prst="rect">
@@ -8605,7 +8464,7 @@
                 </p:txBody>
               </p:sp>
             </mc:Choice>
-            <mc:Fallback xmlns="">
+            <mc:Fallback>
               <p:sp>
                 <p:nvSpPr>
                   <p:cNvPr id="18" name="Formula 10"/>
@@ -8616,14 +8475,14 @@
                 </p:nvSpPr>
                 <p:spPr>
                   <a:xfrm>
-                    <a:off x="1159560" y="5823464"/>
+                    <a:off x="1455941" y="5610458"/>
                     <a:ext cx="1919239" cy="453756"/>
                   </a:xfrm>
                   <a:prstGeom prst="rect">
                     <a:avLst/>
                   </a:prstGeom>
                   <a:blipFill>
-                    <a:blip r:embed="rId7"/>
+                    <a:blip r:embed="rId6"/>
                     <a:stretch>
                       <a:fillRect/>
                     </a:stretch>
@@ -8646,51 +8505,13 @@
           </mc:AlternateContent>
           <p:sp>
             <p:nvSpPr>
-              <p:cNvPr id="5" name="Right Brace 4"/>
-              <p:cNvSpPr/>
-              <p:nvPr/>
-            </p:nvSpPr>
-            <p:spPr>
-              <a:xfrm>
-                <a:off x="2834640" y="5457167"/>
-                <a:ext cx="244159" cy="765003"/>
-              </a:xfrm>
-              <a:prstGeom prst="rightBrace">
-                <a:avLst/>
-              </a:prstGeom>
-            </p:spPr>
-            <p:style>
-              <a:lnRef idx="1">
-                <a:schemeClr val="dk1"/>
-              </a:lnRef>
-              <a:fillRef idx="0">
-                <a:schemeClr val="dk1"/>
-              </a:fillRef>
-              <a:effectRef idx="0">
-                <a:schemeClr val="dk1"/>
-              </a:effectRef>
-              <a:fontRef idx="minor">
-                <a:schemeClr val="tx1"/>
-              </a:fontRef>
-            </p:style>
-            <p:txBody>
-              <a:bodyPr rtlCol="0" anchor="ctr"/>
-              <a:lstStyle/>
-              <a:p>
-                <a:pPr algn="ctr"/>
-                <a:endParaRPr lang="en-US"/>
-              </a:p>
-            </p:txBody>
-          </p:sp>
-          <p:sp>
-            <p:nvSpPr>
               <p:cNvPr id="6" name="Right Arrow 5"/>
               <p:cNvSpPr/>
               <p:nvPr/>
             </p:nvSpPr>
             <p:spPr>
               <a:xfrm>
-                <a:off x="3220720" y="5710336"/>
+                <a:off x="3190240" y="5700176"/>
                 <a:ext cx="487680" cy="254000"/>
               </a:xfrm>
               <a:prstGeom prst="rightArrow">
@@ -9532,7 +9353,154 @@
                 <a:latin typeface="Arial"/>
                 <a:ea typeface="Arial Unicode MS"/>
               </a:rPr>
-              <a:t>: neutron probes and materials with small signal attenuation</a:t>
+              <a:t>: neutron probes </a:t>
+            </a:r>
+            <a:r>
+              <a:rPr lang="en-US" sz="2000" spc="-1" dirty="0" smtClean="0">
+                <a:solidFill>
+                  <a:srgbClr val="000000"/>
+                </a:solidFill>
+                <a:uFill>
+                  <a:solidFill>
+                    <a:srgbClr val="FFFFFF"/>
+                  </a:solidFill>
+                </a:uFill>
+                <a:latin typeface="Arial"/>
+                <a:ea typeface="Arial Unicode MS"/>
+              </a:rPr>
+              <a:t>(except for </a:t>
+            </a:r>
+            <a:r>
+              <a:rPr lang="en-US" sz="2000" spc="-1" dirty="0" smtClean="0">
+                <a:solidFill>
+                  <a:srgbClr val="FF0000"/>
+                </a:solidFill>
+                <a:uFill>
+                  <a:solidFill>
+                    <a:srgbClr val="FFFFFF"/>
+                  </a:solidFill>
+                </a:uFill>
+                <a:latin typeface="Arial"/>
+                <a:ea typeface="Arial Unicode MS"/>
+              </a:rPr>
+              <a:t>He-3, Cd, Sm, </a:t>
+            </a:r>
+            <a:r>
+              <a:rPr lang="en-US" sz="2000" spc="-1" dirty="0" err="1" smtClean="0">
+                <a:solidFill>
+                  <a:srgbClr val="FF0000"/>
+                </a:solidFill>
+                <a:uFill>
+                  <a:solidFill>
+                    <a:srgbClr val="FFFFFF"/>
+                  </a:solidFill>
+                </a:uFill>
+                <a:latin typeface="Arial"/>
+                <a:ea typeface="Arial Unicode MS"/>
+              </a:rPr>
+              <a:t>Eu</a:t>
+            </a:r>
+            <a:r>
+              <a:rPr lang="en-US" sz="2000" spc="-1" dirty="0" smtClean="0">
+                <a:solidFill>
+                  <a:srgbClr val="FF0000"/>
+                </a:solidFill>
+                <a:uFill>
+                  <a:solidFill>
+                    <a:srgbClr val="FFFFFF"/>
+                  </a:solidFill>
+                </a:uFill>
+                <a:latin typeface="Arial"/>
+                <a:ea typeface="Arial Unicode MS"/>
+              </a:rPr>
+              <a:t>, </a:t>
+            </a:r>
+            <a:r>
+              <a:rPr lang="en-US" sz="2000" spc="-1" dirty="0" err="1" smtClean="0">
+                <a:solidFill>
+                  <a:srgbClr val="FF0000"/>
+                </a:solidFill>
+                <a:uFill>
+                  <a:solidFill>
+                    <a:srgbClr val="FFFFFF"/>
+                  </a:solidFill>
+                </a:uFill>
+                <a:latin typeface="Arial"/>
+                <a:ea typeface="Arial Unicode MS"/>
+              </a:rPr>
+              <a:t>Gd</a:t>
+            </a:r>
+            <a:r>
+              <a:rPr lang="en-US" sz="2000" spc="-1" dirty="0" smtClean="0">
+                <a:solidFill>
+                  <a:srgbClr val="FF0000"/>
+                </a:solidFill>
+                <a:uFill>
+                  <a:solidFill>
+                    <a:srgbClr val="FFFFFF"/>
+                  </a:solidFill>
+                </a:uFill>
+                <a:latin typeface="Arial"/>
+                <a:ea typeface="Arial Unicode MS"/>
+              </a:rPr>
+              <a:t>, </a:t>
+            </a:r>
+            <a:r>
+              <a:rPr lang="en-US" sz="2000" spc="-1" dirty="0" err="1" smtClean="0">
+                <a:solidFill>
+                  <a:srgbClr val="FF0000"/>
+                </a:solidFill>
+                <a:uFill>
+                  <a:solidFill>
+                    <a:srgbClr val="FFFFFF"/>
+                  </a:solidFill>
+                </a:uFill>
+                <a:latin typeface="Arial"/>
+                <a:ea typeface="Arial Unicode MS"/>
+              </a:rPr>
+              <a:t>Yb</a:t>
+            </a:r>
+            <a:r>
+              <a:rPr lang="en-US" sz="2000" spc="-1" dirty="0" smtClean="0">
+                <a:solidFill>
+                  <a:srgbClr val="FF0000"/>
+                </a:solidFill>
+                <a:uFill>
+                  <a:solidFill>
+                    <a:srgbClr val="FFFFFF"/>
+                  </a:solidFill>
+                </a:uFill>
+                <a:latin typeface="Arial"/>
+                <a:ea typeface="Arial Unicode MS"/>
+              </a:rPr>
+              <a:t>, Hg </a:t>
+            </a:r>
+            <a:r>
+              <a:rPr lang="en-US" sz="2000" spc="-1" dirty="0" smtClean="0">
+                <a:uFill>
+                  <a:solidFill>
+                    <a:srgbClr val="FFFFFF"/>
+                  </a:solidFill>
+                </a:uFill>
+                <a:latin typeface="Arial"/>
+                <a:ea typeface="Arial Unicode MS"/>
+              </a:rPr>
+              <a:t>materials</a:t>
+            </a:r>
+            <a:r>
+              <a:rPr lang="en-US" sz="2000" spc="-1" dirty="0" smtClean="0">
+                <a:solidFill>
+                  <a:srgbClr val="000000"/>
+                </a:solidFill>
+                <a:uFill>
+                  <a:solidFill>
+                    <a:srgbClr val="FFFFFF"/>
+                  </a:solidFill>
+                </a:uFill>
+                <a:latin typeface="Arial"/>
+                <a:ea typeface="Arial Unicode MS"/>
+              </a:rPr>
+              <a:t>)</a:t>
             </a:r>
             <a:endParaRPr lang="en-US" sz="1800" b="0" strike="noStrike" spc="-1" dirty="0">
               <a:solidFill>
@@ -12376,7 +12344,7 @@
           <p:nvPr>
             <p:extLst>
               <p:ext uri="{D42A27DB-BD31-4B8C-83A1-F6EECF244321}">
-                <p14:modId xmlns:p14="http://schemas.microsoft.com/office/powerpoint/2010/main" val="3293283781"/>
+                <p14:modId xmlns:p14="http://schemas.microsoft.com/office/powerpoint/2010/main" val="4090696962"/>
               </p:ext>
             </p:extLst>
           </p:nvPr>
@@ -12713,7 +12681,7 @@
                     <a:p>
                       <a:r>
                         <a:rPr lang="en-US" sz="2000" dirty="0" smtClean="0"/>
-                        <a:t>0.004</a:t>
+                        <a:t>0.485</a:t>
                       </a:r>
                       <a:endParaRPr lang="en-US" sz="2000" dirty="0"/>
                     </a:p>
@@ -12816,7 +12784,11 @@
                     <a:p>
                       <a:r>
                         <a:rPr lang="en-US" sz="2000" dirty="0" smtClean="0"/>
-                        <a:t>0</a:t>
+                        <a:t>0.</a:t>
+                      </a:r>
+                      <a:r>
+                        <a:rPr lang="en-US" sz="2000" dirty="0" smtClean="0"/>
+                        <a:t>543</a:t>
                       </a:r>
                       <a:endParaRPr lang="en-US" sz="2000" dirty="0"/>
                     </a:p>
@@ -12893,7 +12865,7 @@
                     <a:p>
                       <a:r>
                         <a:rPr lang="en-US" sz="2000" dirty="0" smtClean="0"/>
-                        <a:t>0</a:t>
+                        <a:t>0.063</a:t>
                       </a:r>
                       <a:endParaRPr lang="en-US" sz="2000" dirty="0"/>
                     </a:p>
@@ -14669,13 +14641,13 @@
           <p:nvPr>
             <p:extLst>
               <p:ext uri="{D42A27DB-BD31-4B8C-83A1-F6EECF244321}">
-                <p14:modId xmlns:p14="http://schemas.microsoft.com/office/powerpoint/2010/main" val="1080507390"/>
+                <p14:modId xmlns:p14="http://schemas.microsoft.com/office/powerpoint/2010/main" val="3961147818"/>
               </p:ext>
             </p:extLst>
           </p:nvPr>
         </p:nvGraphicFramePr>
         <p:xfrm>
-          <a:off x="1676400" y="2936240"/>
+          <a:off x="1676400" y="2997200"/>
           <a:ext cx="6096000" cy="1981200"/>
         </p:xfrm>
         <a:graphic>
@@ -15199,17 +15171,6 @@
               </a:rPr>
               <a:t>Thank you for your attention!</a:t>
             </a:r>
-            <a:endParaRPr lang="en-US" sz="3200" b="0" strike="noStrike" spc="-1" dirty="0" smtClean="0">
-              <a:solidFill>
-                <a:srgbClr val="000000"/>
-              </a:solidFill>
-              <a:uFill>
-                <a:solidFill>
-                  <a:srgbClr val="FFFFFF"/>
-                </a:solidFill>
-              </a:uFill>
-              <a:latin typeface="Arial"/>
-            </a:endParaRPr>
           </a:p>
         </p:txBody>
       </p:sp>
